--- a/Week3/Semana3.pptx
+++ b/Week3/Semana3.pptx
@@ -116,6 +116,11 @@
       </a:defRPr>
     </a:lvl9pPr>
   </p:defaultTextStyle>
+  <p:extLst>
+    <p:ext uri="{EFAFB233-063F-42B5-8137-9DF3F51BA10A}">
+      <p15:sldGuideLst xmlns:p15="http://schemas.microsoft.com/office/powerpoint/2012/main"/>
+    </p:ext>
+  </p:extLst>
 </p:presentation>
 </file>
 
@@ -266,7 +271,7 @@
           <a:p>
             <a:fld id="{77D5F8C5-03DB-48E5-9620-05FB9BCF5EFB}" type="datetimeFigureOut">
               <a:rPr lang="en-US" smtClean="0"/>
-              <a:t>5/31/2022</a:t>
+              <a:t>6/1/2022</a:t>
             </a:fld>
             <a:endParaRPr lang="en-US"/>
           </a:p>
@@ -464,7 +469,7 @@
           <a:p>
             <a:fld id="{77D5F8C5-03DB-48E5-9620-05FB9BCF5EFB}" type="datetimeFigureOut">
               <a:rPr lang="en-US" smtClean="0"/>
-              <a:t>5/31/2022</a:t>
+              <a:t>6/1/2022</a:t>
             </a:fld>
             <a:endParaRPr lang="en-US"/>
           </a:p>
@@ -672,7 +677,7 @@
           <a:p>
             <a:fld id="{77D5F8C5-03DB-48E5-9620-05FB9BCF5EFB}" type="datetimeFigureOut">
               <a:rPr lang="en-US" smtClean="0"/>
-              <a:t>5/31/2022</a:t>
+              <a:t>6/1/2022</a:t>
             </a:fld>
             <a:endParaRPr lang="en-US"/>
           </a:p>
@@ -870,7 +875,7 @@
           <a:p>
             <a:fld id="{77D5F8C5-03DB-48E5-9620-05FB9BCF5EFB}" type="datetimeFigureOut">
               <a:rPr lang="en-US" smtClean="0"/>
-              <a:t>5/31/2022</a:t>
+              <a:t>6/1/2022</a:t>
             </a:fld>
             <a:endParaRPr lang="en-US"/>
           </a:p>
@@ -1145,7 +1150,7 @@
           <a:p>
             <a:fld id="{77D5F8C5-03DB-48E5-9620-05FB9BCF5EFB}" type="datetimeFigureOut">
               <a:rPr lang="en-US" smtClean="0"/>
-              <a:t>5/31/2022</a:t>
+              <a:t>6/1/2022</a:t>
             </a:fld>
             <a:endParaRPr lang="en-US"/>
           </a:p>
@@ -1410,7 +1415,7 @@
           <a:p>
             <a:fld id="{77D5F8C5-03DB-48E5-9620-05FB9BCF5EFB}" type="datetimeFigureOut">
               <a:rPr lang="en-US" smtClean="0"/>
-              <a:t>5/31/2022</a:t>
+              <a:t>6/1/2022</a:t>
             </a:fld>
             <a:endParaRPr lang="en-US"/>
           </a:p>
@@ -1822,7 +1827,7 @@
           <a:p>
             <a:fld id="{77D5F8C5-03DB-48E5-9620-05FB9BCF5EFB}" type="datetimeFigureOut">
               <a:rPr lang="en-US" smtClean="0"/>
-              <a:t>5/31/2022</a:t>
+              <a:t>6/1/2022</a:t>
             </a:fld>
             <a:endParaRPr lang="en-US"/>
           </a:p>
@@ -1963,7 +1968,7 @@
           <a:p>
             <a:fld id="{77D5F8C5-03DB-48E5-9620-05FB9BCF5EFB}" type="datetimeFigureOut">
               <a:rPr lang="en-US" smtClean="0"/>
-              <a:t>5/31/2022</a:t>
+              <a:t>6/1/2022</a:t>
             </a:fld>
             <a:endParaRPr lang="en-US"/>
           </a:p>
@@ -2076,7 +2081,7 @@
           <a:p>
             <a:fld id="{77D5F8C5-03DB-48E5-9620-05FB9BCF5EFB}" type="datetimeFigureOut">
               <a:rPr lang="en-US" smtClean="0"/>
-              <a:t>5/31/2022</a:t>
+              <a:t>6/1/2022</a:t>
             </a:fld>
             <a:endParaRPr lang="en-US"/>
           </a:p>
@@ -2387,7 +2392,7 @@
           <a:p>
             <a:fld id="{77D5F8C5-03DB-48E5-9620-05FB9BCF5EFB}" type="datetimeFigureOut">
               <a:rPr lang="en-US" smtClean="0"/>
-              <a:t>5/31/2022</a:t>
+              <a:t>6/1/2022</a:t>
             </a:fld>
             <a:endParaRPr lang="en-US"/>
           </a:p>
@@ -2675,7 +2680,7 @@
           <a:p>
             <a:fld id="{77D5F8C5-03DB-48E5-9620-05FB9BCF5EFB}" type="datetimeFigureOut">
               <a:rPr lang="en-US" smtClean="0"/>
-              <a:t>5/31/2022</a:t>
+              <a:t>6/1/2022</a:t>
             </a:fld>
             <a:endParaRPr lang="en-US"/>
           </a:p>
@@ -2916,7 +2921,7 @@
           <a:p>
             <a:fld id="{77D5F8C5-03DB-48E5-9620-05FB9BCF5EFB}" type="datetimeFigureOut">
               <a:rPr lang="en-US" smtClean="0"/>
-              <a:t>5/31/2022</a:t>
+              <a:t>6/1/2022</a:t>
             </a:fld>
             <a:endParaRPr lang="en-US"/>
           </a:p>
@@ -4123,15 +4128,75 @@
             <p:ph idx="1"/>
           </p:nvPr>
         </p:nvSpPr>
-        <p:spPr/>
-        <p:txBody>
-          <a:bodyPr/>
-          <a:lstStyle/>
-          <a:p>
+        <p:spPr>
+          <a:xfrm>
+            <a:off x="541450" y="5265579"/>
+            <a:ext cx="10515600" cy="911383"/>
+          </a:xfrm>
+        </p:spPr>
+        <p:txBody>
+          <a:bodyPr>
+            <a:normAutofit fontScale="85000" lnSpcReduction="10000"/>
+          </a:bodyPr>
+          <a:lstStyle/>
+          <a:p>
+            <a:pPr marL="0" indent="0">
+              <a:buNone/>
+            </a:pPr>
+            <a:endParaRPr lang="en-US" dirty="0">
+              <a:hlinkClick r:id="rId2"/>
+            </a:endParaRPr>
+          </a:p>
+          <a:p>
+            <a:pPr marL="0" indent="0">
+              <a:buNone/>
+            </a:pPr>
+            <a:r>
+              <a:rPr lang="en-US" dirty="0">
+                <a:hlinkClick r:id="rId2"/>
+              </a:rPr>
+              <a:t>https://github.com/falconrr/NLP4SPanish2022/blob/main/Week3/Tarea3/Lab3.md</a:t>
+            </a:r>
             <a:endParaRPr lang="en-US" dirty="0"/>
           </a:p>
-        </p:txBody>
-      </p:sp>
+          <a:p>
+            <a:pPr marL="0" indent="0">
+              <a:buNone/>
+            </a:pPr>
+            <a:endParaRPr lang="en-US" dirty="0"/>
+          </a:p>
+        </p:txBody>
+      </p:sp>
+      <p:pic>
+        <p:nvPicPr>
+          <p:cNvPr id="5" name="Picture 4">
+            <a:extLst>
+              <a:ext uri="{FF2B5EF4-FFF2-40B4-BE49-F238E27FC236}">
+                <a16:creationId xmlns:a16="http://schemas.microsoft.com/office/drawing/2014/main" id="{ABA0DB38-FFBD-6537-A40C-6A2A1395E442}"/>
+              </a:ext>
+            </a:extLst>
+          </p:cNvPr>
+          <p:cNvPicPr>
+            <a:picLocks noChangeAspect="1"/>
+          </p:cNvPicPr>
+          <p:nvPr/>
+        </p:nvPicPr>
+        <p:blipFill>
+          <a:blip r:embed="rId3"/>
+          <a:stretch>
+            <a:fillRect/>
+          </a:stretch>
+        </p:blipFill>
+        <p:spPr>
+          <a:xfrm>
+            <a:off x="1134950" y="1592421"/>
+            <a:ext cx="9922100" cy="3673158"/>
+          </a:xfrm>
+          <a:prstGeom prst="rect">
+            <a:avLst/>
+          </a:prstGeom>
+        </p:spPr>
+      </p:pic>
     </p:spTree>
     <p:extLst>
       <p:ext uri="{BB962C8B-B14F-4D97-AF65-F5344CB8AC3E}">
